--- a/client-app/src/assets/images/Suggestions App.pptx
+++ b/client-app/src/assets/images/Suggestions App.pptx
@@ -11,6 +11,7 @@
     <p:sldId id="258" r:id="rId5"/>
     <p:sldId id="260" r:id="rId6"/>
     <p:sldId id="259" r:id="rId7"/>
+    <p:sldId id="263" r:id="rId8"/>
   </p:sldIdLst>
   <p:sldSz cx="9144000" cy="6858000" type="screen4x3"/>
   <p:notesSz cx="6858000" cy="9144000"/>
@@ -2977,6 +2978,13 @@
         </dgm:presLayoutVars>
       </dgm:prSet>
       <dgm:spPr/>
+      <dgm:t>
+        <a:bodyPr/>
+        <a:lstStyle/>
+        <a:p>
+          <a:endParaRPr lang="en-US"/>
+        </a:p>
+      </dgm:t>
     </dgm:pt>
     <dgm:pt modelId="{02B4BE8B-8A03-4FAE-B249-592CC826B23A}" type="pres">
       <dgm:prSet presAssocID="{7F59C6EA-26C6-4D18-ACDD-66633B9D61CD}" presName="node" presStyleLbl="node1" presStyleIdx="0" presStyleCnt="6">
@@ -3733,6 +3741,13 @@
         </dgm:presLayoutVars>
       </dgm:prSet>
       <dgm:spPr/>
+      <dgm:t>
+        <a:bodyPr/>
+        <a:lstStyle/>
+        <a:p>
+          <a:endParaRPr lang="en-US"/>
+        </a:p>
+      </dgm:t>
     </dgm:pt>
     <dgm:pt modelId="{02B4BE8B-8A03-4FAE-B249-592CC826B23A}" type="pres">
       <dgm:prSet presAssocID="{7F59C6EA-26C6-4D18-ACDD-66633B9D61CD}" presName="node" presStyleLbl="node1" presStyleIdx="0" presStyleCnt="6">
@@ -3846,19 +3861,19 @@
     </dgm:pt>
   </dgm:ptLst>
   <dgm:cxnLst>
+    <dgm:cxn modelId="{40881BC6-EA2E-452E-8E9A-22E73320A101}" type="presOf" srcId="{DB80F5E3-3C53-4F45-BBB4-86CBF28AC63D}" destId="{0586711A-D712-436D-ACA1-C2F2F2C234EC}" srcOrd="0" destOrd="0" presId="urn:microsoft.com/office/officeart/2005/8/layout/default"/>
+    <dgm:cxn modelId="{2F6B305A-E8C7-4A91-A945-5908BA7C2CB3}" srcId="{9C4A6231-F810-4C27-A303-23FDEBA84900}" destId="{532A1A8D-9220-4624-84F9-8E38C9376297}" srcOrd="3" destOrd="0" parTransId="{9D4BB3CA-4D6A-479D-9FB4-07AEC810C956}" sibTransId="{E292E916-0A06-4DCF-B710-B599DB2CC23E}"/>
+    <dgm:cxn modelId="{8E4F1A22-5060-4220-A10A-F290E846BFA5}" type="presOf" srcId="{9C4A6231-F810-4C27-A303-23FDEBA84900}" destId="{A468EED3-C68D-4DA7-9F6F-4BDA84A01F5A}" srcOrd="0" destOrd="0" presId="urn:microsoft.com/office/officeart/2005/8/layout/default"/>
+    <dgm:cxn modelId="{7D099537-936D-4129-9B31-7EB0CAD4481B}" type="presOf" srcId="{532A1A8D-9220-4624-84F9-8E38C9376297}" destId="{1E8B297D-8CDB-4547-9E50-0BE5D785B22D}" srcOrd="0" destOrd="0" presId="urn:microsoft.com/office/officeart/2005/8/layout/default"/>
+    <dgm:cxn modelId="{527AF8DC-A8D8-4E3F-82CA-6432CC5E19E1}" srcId="{9C4A6231-F810-4C27-A303-23FDEBA84900}" destId="{7F59C6EA-26C6-4D18-ACDD-66633B9D61CD}" srcOrd="0" destOrd="0" parTransId="{DC763F90-A447-45DF-8F63-EB92C6DC9D83}" sibTransId="{A5ED3255-2884-439B-B7EA-0540C1720A8A}"/>
+    <dgm:cxn modelId="{E48219DB-F01A-4C3A-A959-0145A0094849}" srcId="{9C4A6231-F810-4C27-A303-23FDEBA84900}" destId="{AA3E2033-FFB1-4791-B3E6-6D44E7A2F0F1}" srcOrd="2" destOrd="0" parTransId="{721A9AC2-40EC-4C44-9B86-3ABB658BC239}" sibTransId="{41E70D20-3D87-4A8F-9982-0D1F31B34591}"/>
+    <dgm:cxn modelId="{C69257CA-0F6E-4719-AC09-303CA0FFF58F}" type="presOf" srcId="{F33FC788-7AD5-4201-AE8D-20BA554CFFAC}" destId="{567ADD05-DE9E-4E39-8680-2A5AF46F8D38}" srcOrd="0" destOrd="0" presId="urn:microsoft.com/office/officeart/2005/8/layout/default"/>
+    <dgm:cxn modelId="{B09EE4F5-CD7C-4024-A169-93D29C5823BA}" type="presOf" srcId="{7F59C6EA-26C6-4D18-ACDD-66633B9D61CD}" destId="{02B4BE8B-8A03-4FAE-B249-592CC826B23A}" srcOrd="0" destOrd="0" presId="urn:microsoft.com/office/officeart/2005/8/layout/default"/>
     <dgm:cxn modelId="{A6F3DBF1-4E71-4801-A55B-9DA71D220E95}" srcId="{9C4A6231-F810-4C27-A303-23FDEBA84900}" destId="{F33FC788-7AD5-4201-AE8D-20BA554CFFAC}" srcOrd="5" destOrd="0" parTransId="{55A6516B-B041-47E8-8666-A6A768C35EF9}" sibTransId="{5EBB7F3C-E7B3-4B32-A004-FB1664046CC9}"/>
-    <dgm:cxn modelId="{A2223976-AA6B-4494-ADA4-A5339D051E5E}" srcId="{9C4A6231-F810-4C27-A303-23FDEBA84900}" destId="{DB80F5E3-3C53-4F45-BBB4-86CBF28AC63D}" srcOrd="1" destOrd="0" parTransId="{EF1C1EF0-CCD8-42E1-A038-AD0583D3F2A5}" sibTransId="{FBE36A04-749A-4A72-8EB1-DF180EECB1CB}"/>
     <dgm:cxn modelId="{CD261809-6307-4F5D-8D8F-F5568278946D}" type="presOf" srcId="{81496CAC-1176-4205-8BDA-A9AF6F1BEEF7}" destId="{C0412A7D-AB28-4D4E-8095-EA2337690617}" srcOrd="0" destOrd="0" presId="urn:microsoft.com/office/officeart/2005/8/layout/default"/>
     <dgm:cxn modelId="{2ADFD9BD-5296-4091-8457-BB62B4366AAE}" type="presOf" srcId="{AA3E2033-FFB1-4791-B3E6-6D44E7A2F0F1}" destId="{22E0C3BB-BF48-487F-990C-29D8E12A7D30}" srcOrd="0" destOrd="0" presId="urn:microsoft.com/office/officeart/2005/8/layout/default"/>
-    <dgm:cxn modelId="{7D099537-936D-4129-9B31-7EB0CAD4481B}" type="presOf" srcId="{532A1A8D-9220-4624-84F9-8E38C9376297}" destId="{1E8B297D-8CDB-4547-9E50-0BE5D785B22D}" srcOrd="0" destOrd="0" presId="urn:microsoft.com/office/officeart/2005/8/layout/default"/>
-    <dgm:cxn modelId="{2F6B305A-E8C7-4A91-A945-5908BA7C2CB3}" srcId="{9C4A6231-F810-4C27-A303-23FDEBA84900}" destId="{532A1A8D-9220-4624-84F9-8E38C9376297}" srcOrd="3" destOrd="0" parTransId="{9D4BB3CA-4D6A-479D-9FB4-07AEC810C956}" sibTransId="{E292E916-0A06-4DCF-B710-B599DB2CC23E}"/>
-    <dgm:cxn modelId="{E48219DB-F01A-4C3A-A959-0145A0094849}" srcId="{9C4A6231-F810-4C27-A303-23FDEBA84900}" destId="{AA3E2033-FFB1-4791-B3E6-6D44E7A2F0F1}" srcOrd="2" destOrd="0" parTransId="{721A9AC2-40EC-4C44-9B86-3ABB658BC239}" sibTransId="{41E70D20-3D87-4A8F-9982-0D1F31B34591}"/>
-    <dgm:cxn modelId="{40881BC6-EA2E-452E-8E9A-22E73320A101}" type="presOf" srcId="{DB80F5E3-3C53-4F45-BBB4-86CBF28AC63D}" destId="{0586711A-D712-436D-ACA1-C2F2F2C234EC}" srcOrd="0" destOrd="0" presId="urn:microsoft.com/office/officeart/2005/8/layout/default"/>
-    <dgm:cxn modelId="{8E4F1A22-5060-4220-A10A-F290E846BFA5}" type="presOf" srcId="{9C4A6231-F810-4C27-A303-23FDEBA84900}" destId="{A468EED3-C68D-4DA7-9F6F-4BDA84A01F5A}" srcOrd="0" destOrd="0" presId="urn:microsoft.com/office/officeart/2005/8/layout/default"/>
-    <dgm:cxn modelId="{C69257CA-0F6E-4719-AC09-303CA0FFF58F}" type="presOf" srcId="{F33FC788-7AD5-4201-AE8D-20BA554CFFAC}" destId="{567ADD05-DE9E-4E39-8680-2A5AF46F8D38}" srcOrd="0" destOrd="0" presId="urn:microsoft.com/office/officeart/2005/8/layout/default"/>
-    <dgm:cxn modelId="{B09EE4F5-CD7C-4024-A169-93D29C5823BA}" type="presOf" srcId="{7F59C6EA-26C6-4D18-ACDD-66633B9D61CD}" destId="{02B4BE8B-8A03-4FAE-B249-592CC826B23A}" srcOrd="0" destOrd="0" presId="urn:microsoft.com/office/officeart/2005/8/layout/default"/>
     <dgm:cxn modelId="{EE2E1F0B-07F5-4020-ACCF-FC4220EC6E82}" srcId="{9C4A6231-F810-4C27-A303-23FDEBA84900}" destId="{81496CAC-1176-4205-8BDA-A9AF6F1BEEF7}" srcOrd="4" destOrd="0" parTransId="{94109E4C-5DFC-48D5-AFDE-4D0D4CF763F7}" sibTransId="{E779369E-F214-4BA2-A0FF-DA32439E8D6B}"/>
-    <dgm:cxn modelId="{527AF8DC-A8D8-4E3F-82CA-6432CC5E19E1}" srcId="{9C4A6231-F810-4C27-A303-23FDEBA84900}" destId="{7F59C6EA-26C6-4D18-ACDD-66633B9D61CD}" srcOrd="0" destOrd="0" parTransId="{DC763F90-A447-45DF-8F63-EB92C6DC9D83}" sibTransId="{A5ED3255-2884-439B-B7EA-0540C1720A8A}"/>
+    <dgm:cxn modelId="{A2223976-AA6B-4494-ADA4-A5339D051E5E}" srcId="{9C4A6231-F810-4C27-A303-23FDEBA84900}" destId="{DB80F5E3-3C53-4F45-BBB4-86CBF28AC63D}" srcOrd="1" destOrd="0" parTransId="{EF1C1EF0-CCD8-42E1-A038-AD0583D3F2A5}" sibTransId="{FBE36A04-749A-4A72-8EB1-DF180EECB1CB}"/>
     <dgm:cxn modelId="{5FBE75BB-5D77-4D9C-965C-6407F009BF9A}" type="presParOf" srcId="{A468EED3-C68D-4DA7-9F6F-4BDA84A01F5A}" destId="{02B4BE8B-8A03-4FAE-B249-592CC826B23A}" srcOrd="0" destOrd="0" presId="urn:microsoft.com/office/officeart/2005/8/layout/default"/>
     <dgm:cxn modelId="{BC26C88E-E77D-4C95-8967-2692AB4CE68E}" type="presParOf" srcId="{A468EED3-C68D-4DA7-9F6F-4BDA84A01F5A}" destId="{B994F304-19AD-49DF-AA24-F249F74F762F}" srcOrd="1" destOrd="0" presId="urn:microsoft.com/office/officeart/2005/8/layout/default"/>
     <dgm:cxn modelId="{8875F985-9D17-484A-A17C-A4AC22FA87C4}" type="presParOf" srcId="{A468EED3-C68D-4DA7-9F6F-4BDA84A01F5A}" destId="{0586711A-D712-436D-ACA1-C2F2F2C234EC}" srcOrd="2" destOrd="0" presId="urn:microsoft.com/office/officeart/2005/8/layout/default"/>
@@ -4051,6 +4066,13 @@
         </dgm:presLayoutVars>
       </dgm:prSet>
       <dgm:spPr/>
+      <dgm:t>
+        <a:bodyPr/>
+        <a:lstStyle/>
+        <a:p>
+          <a:endParaRPr lang="en-US"/>
+        </a:p>
+      </dgm:t>
     </dgm:pt>
     <dgm:pt modelId="{AEA4C1DB-AB14-4E4C-936B-1F4D9E4705E2}" type="pres">
       <dgm:prSet presAssocID="{6F10E319-5567-4605-879D-18CD75890683}" presName="compNode" presStyleCnt="0"/>
@@ -4085,6 +4107,13 @@
     <dgm:pt modelId="{15317948-CC8F-4DBE-9E2F-953617F20DE6}" type="pres">
       <dgm:prSet presAssocID="{27655092-9BFA-420A-B7C8-8D65C5716235}" presName="sibTrans" presStyleLbl="sibTrans2D1" presStyleIdx="0" presStyleCnt="0"/>
       <dgm:spPr/>
+      <dgm:t>
+        <a:bodyPr/>
+        <a:lstStyle/>
+        <a:p>
+          <a:endParaRPr lang="en-US"/>
+        </a:p>
+      </dgm:t>
     </dgm:pt>
     <dgm:pt modelId="{44B6EF6C-4BCC-44BE-AFFB-D2E159883D38}" type="pres">
       <dgm:prSet presAssocID="{BF62F45A-496D-4A0A-B728-016A5FFF061D}" presName="compNode" presStyleCnt="0"/>
@@ -4119,6 +4148,13 @@
     <dgm:pt modelId="{5930233D-B488-4CBD-A0E3-14A35520BCDD}" type="pres">
       <dgm:prSet presAssocID="{81335FEA-6AFF-4477-8B7F-6B51BF6CE03D}" presName="sibTrans" presStyleLbl="sibTrans2D1" presStyleIdx="0" presStyleCnt="0"/>
       <dgm:spPr/>
+      <dgm:t>
+        <a:bodyPr/>
+        <a:lstStyle/>
+        <a:p>
+          <a:endParaRPr lang="en-US"/>
+        </a:p>
+      </dgm:t>
     </dgm:pt>
     <dgm:pt modelId="{C66FAD54-DAD7-478B-BE0F-6877DD82E99F}" type="pres">
       <dgm:prSet presAssocID="{BE0781FF-B969-4EAA-9956-F10E76068461}" presName="compNode" presStyleCnt="0"/>
@@ -4153,6 +4189,13 @@
     <dgm:pt modelId="{74F7971E-4765-45E6-A027-BC2AAF61FB4C}" type="pres">
       <dgm:prSet presAssocID="{1D0A59AA-4E5E-4DA8-A148-EEB61BFD3CB9}" presName="sibTrans" presStyleLbl="sibTrans2D1" presStyleIdx="0" presStyleCnt="0"/>
       <dgm:spPr/>
+      <dgm:t>
+        <a:bodyPr/>
+        <a:lstStyle/>
+        <a:p>
+          <a:endParaRPr lang="en-US"/>
+        </a:p>
+      </dgm:t>
     </dgm:pt>
     <dgm:pt modelId="{C24AA3F2-22F8-4ED8-99D2-B714F4F22A77}" type="pres">
       <dgm:prSet presAssocID="{68545CB0-7C8B-44CC-B99B-9E19FB3C8C4F}" presName="compNode" presStyleCnt="0"/>
@@ -10569,6 +10612,7 @@
           <a:p>
             <a:fld id="{8320BB04-9176-49E8-9606-9C2105242888}" type="datetimeFigureOut">
               <a:rPr lang="en-US" smtClean="0"/>
+              <a:pPr/>
               <a:t>7/1/2019</a:t>
             </a:fld>
             <a:endParaRPr lang="en-US"/>
@@ -10629,6 +10673,7 @@
           <a:p>
             <a:fld id="{777E9589-F0BA-4EB2-B8D6-4633B80A572E}" type="slidenum">
               <a:rPr lang="en-US" smtClean="0"/>
+              <a:pPr/>
               <a:t>‹#›</a:t>
             </a:fld>
             <a:endParaRPr lang="en-US"/>
@@ -10752,6 +10797,7 @@
           <a:p>
             <a:fld id="{8320BB04-9176-49E8-9606-9C2105242888}" type="datetimeFigureOut">
               <a:rPr lang="en-US" smtClean="0"/>
+              <a:pPr/>
               <a:t>7/1/2019</a:t>
             </a:fld>
             <a:endParaRPr lang="en-US"/>
@@ -10794,6 +10840,7 @@
           <a:p>
             <a:fld id="{777E9589-F0BA-4EB2-B8D6-4633B80A572E}" type="slidenum">
               <a:rPr lang="en-US" smtClean="0"/>
+              <a:pPr/>
               <a:t>‹#›</a:t>
             </a:fld>
             <a:endParaRPr lang="en-US"/>
@@ -10927,6 +10974,7 @@
           <a:p>
             <a:fld id="{8320BB04-9176-49E8-9606-9C2105242888}" type="datetimeFigureOut">
               <a:rPr lang="en-US" smtClean="0"/>
+              <a:pPr/>
               <a:t>7/1/2019</a:t>
             </a:fld>
             <a:endParaRPr lang="en-US"/>
@@ -10969,6 +11017,7 @@
           <a:p>
             <a:fld id="{777E9589-F0BA-4EB2-B8D6-4633B80A572E}" type="slidenum">
               <a:rPr lang="en-US" smtClean="0"/>
+              <a:pPr/>
               <a:t>‹#›</a:t>
             </a:fld>
             <a:endParaRPr lang="en-US"/>
@@ -11092,6 +11141,7 @@
           <a:p>
             <a:fld id="{8320BB04-9176-49E8-9606-9C2105242888}" type="datetimeFigureOut">
               <a:rPr lang="en-US" smtClean="0"/>
+              <a:pPr/>
               <a:t>7/1/2019</a:t>
             </a:fld>
             <a:endParaRPr lang="en-US"/>
@@ -11134,6 +11184,7 @@
           <a:p>
             <a:fld id="{777E9589-F0BA-4EB2-B8D6-4633B80A572E}" type="slidenum">
               <a:rPr lang="en-US" smtClean="0"/>
+              <a:pPr/>
               <a:t>‹#›</a:t>
             </a:fld>
             <a:endParaRPr lang="en-US"/>
@@ -11313,6 +11364,7 @@
           <a:p>
             <a:fld id="{8320BB04-9176-49E8-9606-9C2105242888}" type="datetimeFigureOut">
               <a:rPr lang="en-US" smtClean="0"/>
+              <a:pPr/>
               <a:t>7/1/2019</a:t>
             </a:fld>
             <a:endParaRPr lang="en-US"/>
@@ -11355,6 +11407,7 @@
           <a:p>
             <a:fld id="{777E9589-F0BA-4EB2-B8D6-4633B80A572E}" type="slidenum">
               <a:rPr lang="en-US" smtClean="0"/>
+              <a:pPr/>
               <a:t>‹#›</a:t>
             </a:fld>
             <a:endParaRPr lang="en-US"/>
@@ -11572,6 +11625,7 @@
           <a:p>
             <a:fld id="{8320BB04-9176-49E8-9606-9C2105242888}" type="datetimeFigureOut">
               <a:rPr lang="en-US" smtClean="0"/>
+              <a:pPr/>
               <a:t>7/1/2019</a:t>
             </a:fld>
             <a:endParaRPr lang="en-US"/>
@@ -11614,6 +11668,7 @@
           <a:p>
             <a:fld id="{777E9589-F0BA-4EB2-B8D6-4633B80A572E}" type="slidenum">
               <a:rPr lang="en-US" smtClean="0"/>
+              <a:pPr/>
               <a:t>‹#›</a:t>
             </a:fld>
             <a:endParaRPr lang="en-US"/>
@@ -11976,6 +12031,7 @@
           <a:p>
             <a:fld id="{8320BB04-9176-49E8-9606-9C2105242888}" type="datetimeFigureOut">
               <a:rPr lang="en-US" smtClean="0"/>
+              <a:pPr/>
               <a:t>7/1/2019</a:t>
             </a:fld>
             <a:endParaRPr lang="en-US"/>
@@ -11999,6 +12055,7 @@
           <a:p>
             <a:fld id="{777E9589-F0BA-4EB2-B8D6-4633B80A572E}" type="slidenum">
               <a:rPr lang="en-US" smtClean="0"/>
+              <a:pPr/>
               <a:t>‹#›</a:t>
             </a:fld>
             <a:endParaRPr lang="en-US"/>
@@ -12107,6 +12164,7 @@
           <a:p>
             <a:fld id="{8320BB04-9176-49E8-9606-9C2105242888}" type="datetimeFigureOut">
               <a:rPr lang="en-US" smtClean="0"/>
+              <a:pPr/>
               <a:t>7/1/2019</a:t>
             </a:fld>
             <a:endParaRPr lang="en-US"/>
@@ -12159,6 +12217,7 @@
           <a:p>
             <a:fld id="{777E9589-F0BA-4EB2-B8D6-4633B80A572E}" type="slidenum">
               <a:rPr lang="en-US" smtClean="0"/>
+              <a:pPr/>
               <a:t>‹#›</a:t>
             </a:fld>
             <a:endParaRPr lang="en-US"/>
@@ -12207,6 +12266,7 @@
           <a:p>
             <a:fld id="{8320BB04-9176-49E8-9606-9C2105242888}" type="datetimeFigureOut">
               <a:rPr lang="en-US" smtClean="0"/>
+              <a:pPr/>
               <a:t>7/1/2019</a:t>
             </a:fld>
             <a:endParaRPr lang="en-US"/>
@@ -12249,6 +12309,7 @@
           <a:p>
             <a:fld id="{777E9589-F0BA-4EB2-B8D6-4633B80A572E}" type="slidenum">
               <a:rPr lang="en-US" smtClean="0"/>
+              <a:pPr/>
               <a:t>‹#›</a:t>
             </a:fld>
             <a:endParaRPr lang="en-US"/>
@@ -12452,6 +12513,7 @@
           <a:p>
             <a:fld id="{8320BB04-9176-49E8-9606-9C2105242888}" type="datetimeFigureOut">
               <a:rPr lang="en-US" smtClean="0"/>
+              <a:pPr/>
               <a:t>7/1/2019</a:t>
             </a:fld>
             <a:endParaRPr lang="en-US"/>
@@ -12494,6 +12556,7 @@
           <a:p>
             <a:fld id="{777E9589-F0BA-4EB2-B8D6-4633B80A572E}" type="slidenum">
               <a:rPr lang="en-US" smtClean="0"/>
+              <a:pPr/>
               <a:t>‹#›</a:t>
             </a:fld>
             <a:endParaRPr lang="en-US"/>
@@ -12696,6 +12759,7 @@
           <a:p>
             <a:fld id="{8320BB04-9176-49E8-9606-9C2105242888}" type="datetimeFigureOut">
               <a:rPr lang="en-US" smtClean="0"/>
+              <a:pPr/>
               <a:t>7/1/2019</a:t>
             </a:fld>
             <a:endParaRPr lang="en-US"/>
@@ -12738,6 +12802,7 @@
           <a:p>
             <a:fld id="{777E9589-F0BA-4EB2-B8D6-4633B80A572E}" type="slidenum">
               <a:rPr lang="en-US" smtClean="0"/>
+              <a:pPr/>
               <a:t>‹#›</a:t>
             </a:fld>
             <a:endParaRPr lang="en-US"/>
@@ -13520,6 +13585,7 @@
           <a:p>
             <a:fld id="{8320BB04-9176-49E8-9606-9C2105242888}" type="datetimeFigureOut">
               <a:rPr lang="en-US" smtClean="0"/>
+              <a:pPr/>
               <a:t>7/1/2019</a:t>
             </a:fld>
             <a:endParaRPr lang="en-US"/>
@@ -13594,6 +13660,7 @@
           <a:p>
             <a:fld id="{777E9589-F0BA-4EB2-B8D6-4633B80A572E}" type="slidenum">
               <a:rPr lang="en-US" smtClean="0"/>
+              <a:pPr/>
               <a:t>‹#›</a:t>
             </a:fld>
             <a:endParaRPr lang="en-US"/>
@@ -13950,11 +14017,7 @@
           <a:p>
             <a:r>
               <a:rPr lang="en-US" dirty="0" smtClean="0"/>
-              <a:t>IKUBINFO Academ</a:t>
-            </a:r>
-            <a:r>
-              <a:rPr lang="en-US" dirty="0" smtClean="0"/>
-              <a:t>y</a:t>
+              <a:t>IKUBINFO Academy</a:t>
             </a:r>
             <a:endParaRPr lang="en-US" dirty="0"/>
           </a:p>
@@ -14402,6 +14465,82 @@
 </p:sld>
 </file>
 
+<file path=ppt/slides/slide7.xml><?xml version="1.0" encoding="utf-8"?>
+<p:sld xmlns:a="http://schemas.openxmlformats.org/drawingml/2006/main" xmlns:r="http://schemas.openxmlformats.org/officeDocument/2006/relationships" xmlns:p="http://schemas.openxmlformats.org/presentationml/2006/main">
+  <p:cSld>
+    <p:spTree>
+      <p:nvGrpSpPr>
+        <p:cNvPr id="1" name=""/>
+        <p:cNvGrpSpPr/>
+        <p:nvPr/>
+      </p:nvGrpSpPr>
+      <p:grpSpPr>
+        <a:xfrm>
+          <a:off x="0" y="0"/>
+          <a:ext cx="0" cy="0"/>
+          <a:chOff x="0" y="0"/>
+          <a:chExt cx="0" cy="0"/>
+        </a:xfrm>
+      </p:grpSpPr>
+      <p:sp>
+        <p:nvSpPr>
+          <p:cNvPr id="2" name="Title 1"/>
+          <p:cNvSpPr>
+            <a:spLocks noGrp="1"/>
+          </p:cNvSpPr>
+          <p:nvPr>
+            <p:ph type="title"/>
+          </p:nvPr>
+        </p:nvSpPr>
+        <p:spPr>
+          <a:xfrm>
+            <a:off x="381000" y="457200"/>
+            <a:ext cx="8229600" cy="1066800"/>
+          </a:xfrm>
+        </p:spPr>
+        <p:txBody>
+          <a:bodyPr/>
+          <a:lstStyle/>
+          <a:p>
+            <a:r>
+              <a:rPr lang="en-US" dirty="0" smtClean="0"/>
+              <a:t>Use case</a:t>
+            </a:r>
+            <a:endParaRPr lang="en-US" dirty="0"/>
+          </a:p>
+        </p:txBody>
+      </p:sp>
+      <p:pic>
+        <p:nvPicPr>
+          <p:cNvPr id="4" name="Content Placeholder 3" descr="Final Use Case.jpg"/>
+          <p:cNvPicPr>
+            <a:picLocks noGrp="1" noChangeAspect="1"/>
+          </p:cNvPicPr>
+          <p:nvPr>
+            <p:ph idx="1"/>
+          </p:nvPr>
+        </p:nvPicPr>
+        <p:blipFill>
+          <a:blip r:embed="rId2" cstate="print"/>
+          <a:stretch>
+            <a:fillRect/>
+          </a:stretch>
+        </p:blipFill>
+        <p:spPr>
+          <a:xfrm>
+            <a:off x="1143000" y="1336472"/>
+            <a:ext cx="6705600" cy="5237365"/>
+          </a:xfrm>
+        </p:spPr>
+      </p:pic>
+    </p:spTree>
+  </p:cSld>
+  <p:clrMapOvr>
+    <a:masterClrMapping/>
+  </p:clrMapOvr>
+</p:sld>
+</file>
+
 <file path=ppt/theme/theme1.xml><?xml version="1.0" encoding="utf-8"?>
 <a:theme xmlns:a="http://schemas.openxmlformats.org/drawingml/2006/main" name="Urban">
   <a:themeElements>
